--- a/Just git it.pptx
+++ b/Just git it.pptx
@@ -4409,7 +4409,12 @@
             <p:ph idx="1"/>
           </p:nvPr>
         </p:nvSpPr>
-        <p:spPr/>
+        <p:spPr>
+          <a:xfrm>
+            <a:off x="838200" y="1825625"/>
+            <a:ext cx="10515600" cy="1093066"/>
+          </a:xfrm>
+        </p:spPr>
         <p:txBody>
           <a:bodyPr/>
           <a:lstStyle/>
@@ -4429,9 +4434,286 @@
               <a:t>git</a:t>
             </a:r>
             <a:r>
-              <a:rPr lang="en-US" smtClean="0"/>
+              <a:rPr lang="en-US" dirty="0" smtClean="0"/>
               <a:t> bash</a:t>
             </a:r>
+          </a:p>
+          <a:p>
+            <a:endParaRPr lang="en-US" dirty="0"/>
+          </a:p>
+        </p:txBody>
+      </p:sp>
+      <p:sp>
+        <p:nvSpPr>
+          <p:cNvPr id="8" name="Title 1"/>
+          <p:cNvSpPr txBox="1">
+            <a:spLocks/>
+          </p:cNvSpPr>
+          <p:nvPr/>
+        </p:nvSpPr>
+        <p:spPr>
+          <a:xfrm>
+            <a:off x="990600" y="3334619"/>
+            <a:ext cx="10515600" cy="1325563"/>
+          </a:xfrm>
+          <a:prstGeom prst="rect">
+            <a:avLst/>
+          </a:prstGeom>
+        </p:spPr>
+        <p:txBody>
+          <a:bodyPr vert="horz" lIns="91440" tIns="45720" rIns="91440" bIns="45720" rtlCol="0" anchor="ctr">
+            <a:normAutofit/>
+          </a:bodyPr>
+          <a:lstStyle>
+            <a:lvl1pPr algn="l" defTabSz="914400" rtl="0" eaLnBrk="1" latinLnBrk="0" hangingPunct="1">
+              <a:lnSpc>
+                <a:spcPct val="90000"/>
+              </a:lnSpc>
+              <a:spcBef>
+                <a:spcPct val="0"/>
+              </a:spcBef>
+              <a:buNone/>
+              <a:defRPr sz="4400" kern="1200">
+                <a:solidFill>
+                  <a:schemeClr val="tx1"/>
+                </a:solidFill>
+                <a:latin typeface="+mj-lt"/>
+                <a:ea typeface="+mj-ea"/>
+                <a:cs typeface="+mj-cs"/>
+              </a:defRPr>
+            </a:lvl1pPr>
+          </a:lstStyle>
+          <a:p>
+            <a:r>
+              <a:rPr lang="en-US" dirty="0" smtClean="0"/>
+              <a:t>Sync PAIN</a:t>
+            </a:r>
+            <a:endParaRPr lang="en-US" dirty="0"/>
+          </a:p>
+        </p:txBody>
+      </p:sp>
+      <p:sp>
+        <p:nvSpPr>
+          <p:cNvPr id="9" name="Content Placeholder 2"/>
+          <p:cNvSpPr txBox="1">
+            <a:spLocks/>
+          </p:cNvSpPr>
+          <p:nvPr/>
+        </p:nvSpPr>
+        <p:spPr>
+          <a:xfrm>
+            <a:off x="990600" y="4795119"/>
+            <a:ext cx="10515600" cy="1093066"/>
+          </a:xfrm>
+          <a:prstGeom prst="rect">
+            <a:avLst/>
+          </a:prstGeom>
+        </p:spPr>
+        <p:txBody>
+          <a:bodyPr vert="horz" lIns="91440" tIns="45720" rIns="91440" bIns="45720" rtlCol="0">
+            <a:normAutofit/>
+          </a:bodyPr>
+          <a:lstStyle>
+            <a:lvl1pPr marL="228600" indent="-228600" algn="l" defTabSz="914400" rtl="0" eaLnBrk="1" latinLnBrk="0" hangingPunct="1">
+              <a:lnSpc>
+                <a:spcPct val="90000"/>
+              </a:lnSpc>
+              <a:spcBef>
+                <a:spcPts val="1000"/>
+              </a:spcBef>
+              <a:buFont typeface="Arial" panose="020B0604020202020204" pitchFamily="34" charset="0"/>
+              <a:buChar char="•"/>
+              <a:defRPr sz="2800" kern="1200">
+                <a:solidFill>
+                  <a:schemeClr val="tx1"/>
+                </a:solidFill>
+                <a:latin typeface="+mn-lt"/>
+                <a:ea typeface="+mn-ea"/>
+                <a:cs typeface="+mn-cs"/>
+              </a:defRPr>
+            </a:lvl1pPr>
+            <a:lvl2pPr marL="685800" indent="-228600" algn="l" defTabSz="914400" rtl="0" eaLnBrk="1" latinLnBrk="0" hangingPunct="1">
+              <a:lnSpc>
+                <a:spcPct val="90000"/>
+              </a:lnSpc>
+              <a:spcBef>
+                <a:spcPts val="500"/>
+              </a:spcBef>
+              <a:buFont typeface="Arial" panose="020B0604020202020204" pitchFamily="34" charset="0"/>
+              <a:buChar char="•"/>
+              <a:defRPr sz="2400" kern="1200">
+                <a:solidFill>
+                  <a:schemeClr val="tx1"/>
+                </a:solidFill>
+                <a:latin typeface="+mn-lt"/>
+                <a:ea typeface="+mn-ea"/>
+                <a:cs typeface="+mn-cs"/>
+              </a:defRPr>
+            </a:lvl2pPr>
+            <a:lvl3pPr marL="1143000" indent="-228600" algn="l" defTabSz="914400" rtl="0" eaLnBrk="1" latinLnBrk="0" hangingPunct="1">
+              <a:lnSpc>
+                <a:spcPct val="90000"/>
+              </a:lnSpc>
+              <a:spcBef>
+                <a:spcPts val="500"/>
+              </a:spcBef>
+              <a:buFont typeface="Arial" panose="020B0604020202020204" pitchFamily="34" charset="0"/>
+              <a:buChar char="•"/>
+              <a:defRPr sz="2000" kern="1200">
+                <a:solidFill>
+                  <a:schemeClr val="tx1"/>
+                </a:solidFill>
+                <a:latin typeface="+mn-lt"/>
+                <a:ea typeface="+mn-ea"/>
+                <a:cs typeface="+mn-cs"/>
+              </a:defRPr>
+            </a:lvl3pPr>
+            <a:lvl4pPr marL="1600200" indent="-228600" algn="l" defTabSz="914400" rtl="0" eaLnBrk="1" latinLnBrk="0" hangingPunct="1">
+              <a:lnSpc>
+                <a:spcPct val="90000"/>
+              </a:lnSpc>
+              <a:spcBef>
+                <a:spcPts val="500"/>
+              </a:spcBef>
+              <a:buFont typeface="Arial" panose="020B0604020202020204" pitchFamily="34" charset="0"/>
+              <a:buChar char="•"/>
+              <a:defRPr sz="1800" kern="1200">
+                <a:solidFill>
+                  <a:schemeClr val="tx1"/>
+                </a:solidFill>
+                <a:latin typeface="+mn-lt"/>
+                <a:ea typeface="+mn-ea"/>
+                <a:cs typeface="+mn-cs"/>
+              </a:defRPr>
+            </a:lvl4pPr>
+            <a:lvl5pPr marL="2057400" indent="-228600" algn="l" defTabSz="914400" rtl="0" eaLnBrk="1" latinLnBrk="0" hangingPunct="1">
+              <a:lnSpc>
+                <a:spcPct val="90000"/>
+              </a:lnSpc>
+              <a:spcBef>
+                <a:spcPts val="500"/>
+              </a:spcBef>
+              <a:buFont typeface="Arial" panose="020B0604020202020204" pitchFamily="34" charset="0"/>
+              <a:buChar char="•"/>
+              <a:defRPr sz="1800" kern="1200">
+                <a:solidFill>
+                  <a:schemeClr val="tx1"/>
+                </a:solidFill>
+                <a:latin typeface="+mn-lt"/>
+                <a:ea typeface="+mn-ea"/>
+                <a:cs typeface="+mn-cs"/>
+              </a:defRPr>
+            </a:lvl5pPr>
+            <a:lvl6pPr marL="2514600" indent="-228600" algn="l" defTabSz="914400" rtl="0" eaLnBrk="1" latinLnBrk="0" hangingPunct="1">
+              <a:lnSpc>
+                <a:spcPct val="90000"/>
+              </a:lnSpc>
+              <a:spcBef>
+                <a:spcPts val="500"/>
+              </a:spcBef>
+              <a:buFont typeface="Arial" panose="020B0604020202020204" pitchFamily="34" charset="0"/>
+              <a:buChar char="•"/>
+              <a:defRPr sz="1800" kern="1200">
+                <a:solidFill>
+                  <a:schemeClr val="tx1"/>
+                </a:solidFill>
+                <a:latin typeface="+mn-lt"/>
+                <a:ea typeface="+mn-ea"/>
+                <a:cs typeface="+mn-cs"/>
+              </a:defRPr>
+            </a:lvl6pPr>
+            <a:lvl7pPr marL="2971800" indent="-228600" algn="l" defTabSz="914400" rtl="0" eaLnBrk="1" latinLnBrk="0" hangingPunct="1">
+              <a:lnSpc>
+                <a:spcPct val="90000"/>
+              </a:lnSpc>
+              <a:spcBef>
+                <a:spcPts val="500"/>
+              </a:spcBef>
+              <a:buFont typeface="Arial" panose="020B0604020202020204" pitchFamily="34" charset="0"/>
+              <a:buChar char="•"/>
+              <a:defRPr sz="1800" kern="1200">
+                <a:solidFill>
+                  <a:schemeClr val="tx1"/>
+                </a:solidFill>
+                <a:latin typeface="+mn-lt"/>
+                <a:ea typeface="+mn-ea"/>
+                <a:cs typeface="+mn-cs"/>
+              </a:defRPr>
+            </a:lvl7pPr>
+            <a:lvl8pPr marL="3429000" indent="-228600" algn="l" defTabSz="914400" rtl="0" eaLnBrk="1" latinLnBrk="0" hangingPunct="1">
+              <a:lnSpc>
+                <a:spcPct val="90000"/>
+              </a:lnSpc>
+              <a:spcBef>
+                <a:spcPts val="500"/>
+              </a:spcBef>
+              <a:buFont typeface="Arial" panose="020B0604020202020204" pitchFamily="34" charset="0"/>
+              <a:buChar char="•"/>
+              <a:defRPr sz="1800" kern="1200">
+                <a:solidFill>
+                  <a:schemeClr val="tx1"/>
+                </a:solidFill>
+                <a:latin typeface="+mn-lt"/>
+                <a:ea typeface="+mn-ea"/>
+                <a:cs typeface="+mn-cs"/>
+              </a:defRPr>
+            </a:lvl8pPr>
+            <a:lvl9pPr marL="3886200" indent="-228600" algn="l" defTabSz="914400" rtl="0" eaLnBrk="1" latinLnBrk="0" hangingPunct="1">
+              <a:lnSpc>
+                <a:spcPct val="90000"/>
+              </a:lnSpc>
+              <a:spcBef>
+                <a:spcPts val="500"/>
+              </a:spcBef>
+              <a:buFont typeface="Arial" panose="020B0604020202020204" pitchFamily="34" charset="0"/>
+              <a:buChar char="•"/>
+              <a:defRPr sz="1800" kern="1200">
+                <a:solidFill>
+                  <a:schemeClr val="tx1"/>
+                </a:solidFill>
+                <a:latin typeface="+mn-lt"/>
+                <a:ea typeface="+mn-ea"/>
+                <a:cs typeface="+mn-cs"/>
+              </a:defRPr>
+            </a:lvl9pPr>
+          </a:lstStyle>
+          <a:p>
+            <a:pPr marL="0" indent="0">
+              <a:buNone/>
+            </a:pPr>
+            <a:r>
+              <a:rPr lang="en-US" dirty="0" smtClean="0"/>
+              <a:t>If it happen, refer</a:t>
+            </a:r>
+          </a:p>
+          <a:p>
+            <a:pPr marL="0" indent="0">
+              <a:buNone/>
+            </a:pPr>
+            <a:r>
+              <a:rPr lang="en-US" dirty="0" smtClean="0">
+                <a:hlinkClick r:id="rId2"/>
+              </a:rPr>
+              <a:t>https</a:t>
+            </a:r>
+            <a:r>
+              <a:rPr lang="en-US">
+                <a:hlinkClick r:id="rId2"/>
+              </a:rPr>
+              <a:t>://</a:t>
+            </a:r>
+            <a:r>
+              <a:rPr lang="en-US" smtClean="0">
+                <a:hlinkClick r:id="rId2"/>
+              </a:rPr>
+              <a:t>www.atlassian.com/git/tutorials/syncing</a:t>
+            </a:r>
+            <a:endParaRPr lang="en-US" smtClean="0"/>
+          </a:p>
+          <a:p>
+            <a:pPr marL="0" indent="0">
+              <a:buNone/>
+            </a:pPr>
             <a:endParaRPr lang="en-US" dirty="0" smtClean="0"/>
           </a:p>
           <a:p>
@@ -4586,16 +4868,13 @@
             </a:r>
             <a:r>
               <a:rPr lang="en-US" dirty="0" smtClean="0"/>
-              <a:t> remote add origin &lt;</a:t>
-            </a:r>
-            <a:r>
-              <a:rPr lang="en-US" dirty="0" err="1" smtClean="0"/>
-              <a:t>url</a:t>
-            </a:r>
-            <a:r>
-              <a:rPr lang="en-US" dirty="0" smtClean="0"/>
-              <a:t>&gt;</a:t>
-            </a:r>
+              <a:t> remote add origin </a:t>
+            </a:r>
+            <a:r>
+              <a:rPr lang="en-US" dirty="0" smtClean="0"/>
+              <a:t>&lt;remote&gt;</a:t>
+            </a:r>
+            <a:endParaRPr lang="en-US" dirty="0" smtClean="0"/>
           </a:p>
           <a:p>
             <a:r>
@@ -4618,8 +4897,13 @@
             </a:r>
             <a:r>
               <a:rPr lang="en-US" dirty="0" smtClean="0"/>
-              <a:t> pull</a:t>
-            </a:r>
+              <a:t> </a:t>
+            </a:r>
+            <a:r>
+              <a:rPr lang="en-US" dirty="0" smtClean="0"/>
+              <a:t>pull &lt;remote&gt;</a:t>
+            </a:r>
+            <a:endParaRPr lang="en-US" dirty="0" smtClean="0"/>
           </a:p>
           <a:p>
             <a:r>

--- a/Just git it.pptx
+++ b/Just git it.pptx
@@ -254,7 +254,7 @@
           <a:p>
             <a:fld id="{40E161C7-09B8-4159-A966-C24B54C52166}" type="datetimeFigureOut">
               <a:rPr lang="en-US" smtClean="0"/>
-              <a:t>17-Jul-17</a:t>
+              <a:t>19-Jul-17</a:t>
             </a:fld>
             <a:endParaRPr lang="en-US"/>
           </a:p>
@@ -424,7 +424,7 @@
           <a:p>
             <a:fld id="{40E161C7-09B8-4159-A966-C24B54C52166}" type="datetimeFigureOut">
               <a:rPr lang="en-US" smtClean="0"/>
-              <a:t>17-Jul-17</a:t>
+              <a:t>19-Jul-17</a:t>
             </a:fld>
             <a:endParaRPr lang="en-US"/>
           </a:p>
@@ -604,7 +604,7 @@
           <a:p>
             <a:fld id="{40E161C7-09B8-4159-A966-C24B54C52166}" type="datetimeFigureOut">
               <a:rPr lang="en-US" smtClean="0"/>
-              <a:t>17-Jul-17</a:t>
+              <a:t>19-Jul-17</a:t>
             </a:fld>
             <a:endParaRPr lang="en-US"/>
           </a:p>
@@ -774,7 +774,7 @@
           <a:p>
             <a:fld id="{40E161C7-09B8-4159-A966-C24B54C52166}" type="datetimeFigureOut">
               <a:rPr lang="en-US" smtClean="0"/>
-              <a:t>17-Jul-17</a:t>
+              <a:t>19-Jul-17</a:t>
             </a:fld>
             <a:endParaRPr lang="en-US"/>
           </a:p>
@@ -1020,7 +1020,7 @@
           <a:p>
             <a:fld id="{40E161C7-09B8-4159-A966-C24B54C52166}" type="datetimeFigureOut">
               <a:rPr lang="en-US" smtClean="0"/>
-              <a:t>17-Jul-17</a:t>
+              <a:t>19-Jul-17</a:t>
             </a:fld>
             <a:endParaRPr lang="en-US"/>
           </a:p>
@@ -1252,7 +1252,7 @@
           <a:p>
             <a:fld id="{40E161C7-09B8-4159-A966-C24B54C52166}" type="datetimeFigureOut">
               <a:rPr lang="en-US" smtClean="0"/>
-              <a:t>17-Jul-17</a:t>
+              <a:t>19-Jul-17</a:t>
             </a:fld>
             <a:endParaRPr lang="en-US"/>
           </a:p>
@@ -1619,7 +1619,7 @@
           <a:p>
             <a:fld id="{40E161C7-09B8-4159-A966-C24B54C52166}" type="datetimeFigureOut">
               <a:rPr lang="en-US" smtClean="0"/>
-              <a:t>17-Jul-17</a:t>
+              <a:t>19-Jul-17</a:t>
             </a:fld>
             <a:endParaRPr lang="en-US"/>
           </a:p>
@@ -1737,7 +1737,7 @@
           <a:p>
             <a:fld id="{40E161C7-09B8-4159-A966-C24B54C52166}" type="datetimeFigureOut">
               <a:rPr lang="en-US" smtClean="0"/>
-              <a:t>17-Jul-17</a:t>
+              <a:t>19-Jul-17</a:t>
             </a:fld>
             <a:endParaRPr lang="en-US"/>
           </a:p>
@@ -1832,7 +1832,7 @@
           <a:p>
             <a:fld id="{40E161C7-09B8-4159-A966-C24B54C52166}" type="datetimeFigureOut">
               <a:rPr lang="en-US" smtClean="0"/>
-              <a:t>17-Jul-17</a:t>
+              <a:t>19-Jul-17</a:t>
             </a:fld>
             <a:endParaRPr lang="en-US"/>
           </a:p>
@@ -2109,7 +2109,7 @@
           <a:p>
             <a:fld id="{40E161C7-09B8-4159-A966-C24B54C52166}" type="datetimeFigureOut">
               <a:rPr lang="en-US" smtClean="0"/>
-              <a:t>17-Jul-17</a:t>
+              <a:t>19-Jul-17</a:t>
             </a:fld>
             <a:endParaRPr lang="en-US"/>
           </a:p>
@@ -2362,7 +2362,7 @@
           <a:p>
             <a:fld id="{40E161C7-09B8-4159-A966-C24B54C52166}" type="datetimeFigureOut">
               <a:rPr lang="en-US" smtClean="0"/>
-              <a:t>17-Jul-17</a:t>
+              <a:t>19-Jul-17</a:t>
             </a:fld>
             <a:endParaRPr lang="en-US"/>
           </a:p>
@@ -2575,7 +2575,7 @@
           <a:p>
             <a:fld id="{40E161C7-09B8-4159-A966-C24B54C52166}" type="datetimeFigureOut">
               <a:rPr lang="en-US" smtClean="0"/>
-              <a:t>17-Jul-17</a:t>
+              <a:t>19-Jul-17</a:t>
             </a:fld>
             <a:endParaRPr lang="en-US"/>
           </a:p>
@@ -4416,7 +4416,9 @@
           </a:xfrm>
         </p:spPr>
         <p:txBody>
-          <a:bodyPr/>
+          <a:bodyPr>
+            <a:normAutofit fontScale="70000" lnSpcReduction="20000"/>
+          </a:bodyPr>
           <a:lstStyle/>
           <a:p>
             <a:r>
@@ -4435,8 +4437,35 @@
             </a:r>
             <a:r>
               <a:rPr lang="en-US" dirty="0" smtClean="0"/>
-              <a:t> bash</a:t>
-            </a:r>
+              <a:t> </a:t>
+            </a:r>
+            <a:r>
+              <a:rPr lang="en-US" dirty="0"/>
+              <a:t>bash(</a:t>
+            </a:r>
+            <a:r>
+              <a:rPr lang="en-US" dirty="0">
+                <a:hlinkClick r:id="rId2"/>
+              </a:rPr>
+              <a:t>https://</a:t>
+            </a:r>
+            <a:r>
+              <a:rPr lang="en-US" dirty="0" smtClean="0">
+                <a:hlinkClick r:id="rId2"/>
+              </a:rPr>
+              <a:t>stackoverflow.com/questions/8951275/how-can-i-make-sublime-text-the-default-editor-for-git</a:t>
+            </a:r>
+            <a:r>
+              <a:rPr lang="en-US" dirty="0" smtClean="0"/>
+              <a:t>)</a:t>
+            </a:r>
+            <a:endParaRPr lang="en-US" dirty="0" smtClean="0"/>
+          </a:p>
+          <a:p>
+            <a:pPr marL="0" indent="0">
+              <a:buNone/>
+            </a:pPr>
+            <a:endParaRPr lang="en-US" dirty="0" smtClean="0"/>
           </a:p>
           <a:p>
             <a:endParaRPr lang="en-US" dirty="0"/>
@@ -4683,7 +4712,15 @@
             </a:pPr>
             <a:r>
               <a:rPr lang="en-US" dirty="0" smtClean="0"/>
-              <a:t>If it happen, refer</a:t>
+              <a:t>If it </a:t>
+            </a:r>
+            <a:r>
+              <a:rPr lang="en-US" dirty="0" smtClean="0"/>
+              <a:t>happens, </a:t>
+            </a:r>
+            <a:r>
+              <a:rPr lang="en-US" dirty="0" smtClean="0"/>
+              <a:t>refer</a:t>
             </a:r>
           </a:p>
           <a:p>
@@ -4692,23 +4729,23 @@
             </a:pPr>
             <a:r>
               <a:rPr lang="en-US" dirty="0" smtClean="0">
-                <a:hlinkClick r:id="rId2"/>
+                <a:hlinkClick r:id="rId3"/>
               </a:rPr>
               <a:t>https</a:t>
             </a:r>
             <a:r>
-              <a:rPr lang="en-US">
-                <a:hlinkClick r:id="rId2"/>
+              <a:rPr lang="en-US" dirty="0">
+                <a:hlinkClick r:id="rId3"/>
               </a:rPr>
               <a:t>://</a:t>
             </a:r>
             <a:r>
-              <a:rPr lang="en-US" smtClean="0">
-                <a:hlinkClick r:id="rId2"/>
+              <a:rPr lang="en-US" dirty="0" smtClean="0">
+                <a:hlinkClick r:id="rId3"/>
               </a:rPr>
               <a:t>www.atlassian.com/git/tutorials/syncing</a:t>
             </a:r>
-            <a:endParaRPr lang="en-US" smtClean="0"/>
+            <a:endParaRPr lang="en-US" dirty="0" smtClean="0"/>
           </a:p>
           <a:p>
             <a:pPr marL="0" indent="0">
@@ -4718,6 +4755,125 @@
           </a:p>
           <a:p>
             <a:endParaRPr lang="en-US" dirty="0"/>
+          </a:p>
+        </p:txBody>
+      </p:sp>
+      <p:sp>
+        <p:nvSpPr>
+          <p:cNvPr id="4" name="Rectangle 1"/>
+          <p:cNvSpPr>
+            <a:spLocks noChangeArrowheads="1"/>
+          </p:cNvSpPr>
+          <p:nvPr/>
+        </p:nvSpPr>
+        <p:spPr bwMode="auto">
+          <a:xfrm>
+            <a:off x="875145" y="2971082"/>
+            <a:ext cx="12192000" cy="457200"/>
+          </a:xfrm>
+          <a:prstGeom prst="rect">
+            <a:avLst/>
+          </a:prstGeom>
+          <a:solidFill>
+            <a:srgbClr val="EFF0F1"/>
+          </a:solidFill>
+          <a:ln>
+            <a:noFill/>
+          </a:ln>
+          <a:effectLst/>
+          <a:extLst>
+            <a:ext uri="{91240B29-F687-4F45-9708-019B960494DF}">
+              <a14:hiddenLine xmlns:a14="http://schemas.microsoft.com/office/drawing/2010/main" w="9525">
+                <a:solidFill>
+                  <a:schemeClr val="tx1"/>
+                </a:solidFill>
+                <a:miter lim="800000"/>
+                <a:headEnd/>
+                <a:tailEnd/>
+              </a14:hiddenLine>
+            </a:ext>
+            <a:ext uri="{AF507438-7753-43E0-B8FC-AC1667EBCBE1}">
+              <a14:hiddenEffects xmlns:a14="http://schemas.microsoft.com/office/drawing/2010/main">
+                <a:effectLst>
+                  <a:outerShdw dist="35921" dir="2700000" algn="ctr" rotWithShape="0">
+                    <a:schemeClr val="bg2"/>
+                  </a:outerShdw>
+                </a:effectLst>
+              </a14:hiddenEffects>
+            </a:ext>
+          </a:extLst>
+        </p:spPr>
+        <p:txBody>
+          <a:bodyPr vert="horz" wrap="none" lIns="0" tIns="0" rIns="0" bIns="0" numCol="1" anchor="ctr" anchorCtr="0" compatLnSpc="1">
+            <a:prstTxWarp prst="textNoShape">
+              <a:avLst/>
+            </a:prstTxWarp>
+            <a:spAutoFit/>
+          </a:bodyPr>
+          <a:lstStyle/>
+          <a:p>
+            <a:pPr marL="0" marR="0" lvl="0" indent="0" algn="l" defTabSz="914400" rtl="0" eaLnBrk="0" fontAlgn="base" latinLnBrk="0" hangingPunct="0">
+              <a:lnSpc>
+                <a:spcPct val="100000"/>
+              </a:lnSpc>
+              <a:spcBef>
+                <a:spcPct val="0"/>
+              </a:spcBef>
+              <a:spcAft>
+                <a:spcPct val="0"/>
+              </a:spcAft>
+              <a:buClrTx/>
+              <a:buSzTx/>
+              <a:buFontTx/>
+              <a:buNone/>
+              <a:tabLst/>
+            </a:pPr>
+            <a:r>
+              <a:rPr kumimoji="0" lang="en-US" altLang="en-US" sz="900" b="0" i="0" u="none" strike="noStrike" cap="none" normalizeH="0" baseline="0" smtClean="0">
+                <a:ln>
+                  <a:noFill/>
+                </a:ln>
+                <a:solidFill>
+                  <a:srgbClr val="242729"/>
+                </a:solidFill>
+                <a:effectLst/>
+                <a:latin typeface="Consolas" panose="020B0609020204030204" pitchFamily="49" charset="0"/>
+              </a:rPr>
+              <a:t>git config --global core.editor "'c:/program files/sublime text 2/sublime_text.exe' -w" </a:t>
+            </a:r>
+            <a:r>
+              <a:rPr kumimoji="0" lang="en-US" altLang="en-US" sz="800" b="0" i="0" u="none" strike="noStrike" cap="none" normalizeH="0" baseline="0" smtClean="0">
+                <a:ln>
+                  <a:noFill/>
+                </a:ln>
+                <a:solidFill>
+                  <a:schemeClr val="tx1"/>
+                </a:solidFill>
+                <a:effectLst/>
+              </a:rPr>
+              <a:t/>
+            </a:r>
+            <a:br>
+              <a:rPr kumimoji="0" lang="en-US" altLang="en-US" sz="800" b="0" i="0" u="none" strike="noStrike" cap="none" normalizeH="0" baseline="0" smtClean="0">
+                <a:ln>
+                  <a:noFill/>
+                </a:ln>
+                <a:solidFill>
+                  <a:schemeClr val="tx1"/>
+                </a:solidFill>
+                <a:effectLst/>
+              </a:rPr>
+            </a:br>
+            <a:endParaRPr kumimoji="0" lang="en-US" altLang="en-US" sz="1800" b="0" i="0" u="none" strike="noStrike" cap="none" normalizeH="0" baseline="0" smtClean="0">
+              <a:ln>
+                <a:noFill/>
+              </a:ln>
+              <a:solidFill>
+                <a:schemeClr val="tx1"/>
+              </a:solidFill>
+              <a:effectLst/>
+              <a:latin typeface="Arial" panose="020B0604020202020204" pitchFamily="34" charset="0"/>
+            </a:endParaRPr>
           </a:p>
         </p:txBody>
       </p:sp>
@@ -4868,13 +5024,8 @@
             </a:r>
             <a:r>
               <a:rPr lang="en-US" dirty="0" smtClean="0"/>
-              <a:t> remote add origin </a:t>
-            </a:r>
-            <a:r>
-              <a:rPr lang="en-US" dirty="0" smtClean="0"/>
-              <a:t>&lt;remote&gt;</a:t>
-            </a:r>
-            <a:endParaRPr lang="en-US" dirty="0" smtClean="0"/>
+              <a:t> remote add origin &lt;remote&gt;</a:t>
+            </a:r>
           </a:p>
           <a:p>
             <a:r>
@@ -4897,13 +5048,8 @@
             </a:r>
             <a:r>
               <a:rPr lang="en-US" dirty="0" smtClean="0"/>
-              <a:t> </a:t>
-            </a:r>
-            <a:r>
-              <a:rPr lang="en-US" dirty="0" smtClean="0"/>
-              <a:t>pull &lt;remote&gt;</a:t>
-            </a:r>
-            <a:endParaRPr lang="en-US" dirty="0" smtClean="0"/>
+              <a:t> pull &lt;remote&gt;</a:t>
+            </a:r>
           </a:p>
           <a:p>
             <a:r>
